--- a/documentacao/BEFITMAPADEEMPATIA.pptx
+++ b/documentacao/BEFITMAPADEEMPATIA.pptx
@@ -21,9 +21,9 @@
     <p:sldId id="968" r:id="rId15"/>
     <p:sldId id="969" r:id="rId16"/>
     <p:sldId id="970" r:id="rId17"/>
-    <p:sldId id="971" r:id="rId18"/>
-    <p:sldId id="972" r:id="rId19"/>
-    <p:sldId id="975" r:id="rId20"/>
+    <p:sldId id="977" r:id="rId18"/>
+    <p:sldId id="976" r:id="rId19"/>
+    <p:sldId id="974" r:id="rId20"/>
     <p:sldId id="973" r:id="rId21"/>
     <p:sldId id="272" r:id="rId22"/>
   </p:sldIdLst>
@@ -222,7 +222,7 @@
           <a:p>
             <a:fld id="{8AC79F10-E06E-4CE2-A9B4-B99BB230B28A}" type="datetimeFigureOut">
               <a:rPr lang="pt-BR" smtClean="0"/>
-              <a:t>31/08/2022</a:t>
+              <a:t>01/09/2022</a:t>
             </a:fld>
             <a:endParaRPr lang="pt-BR"/>
           </a:p>
@@ -11310,6 +11310,26 @@
             </a:r>
           </a:p>
           <a:p>
+            <a:pPr>
+              <a:lnSpc>
+                <a:spcPct val="150000"/>
+              </a:lnSpc>
+            </a:pPr>
+            <a:r>
+              <a:rPr lang="pt-BR" sz="2400" dirty="0"/>
+              <a:t>Para definirmos as nossas </a:t>
+            </a:r>
+            <a:r>
+              <a:rPr lang="pt-BR" sz="2400" dirty="0" err="1"/>
+              <a:t>proto</a:t>
+            </a:r>
+            <a:r>
+              <a:rPr lang="pt-BR" sz="2400" dirty="0"/>
+              <a:t> personas, nos realizamos pesquisas de campo, com o que foi capturado nas pesquisas, definimos nosso publico alvo. Entendemos as principais dores do nosso publico e com isso, pensamos nas funcionalidades da nossa aplicação que serão a solução para as dores do nosso publico alvo</a:t>
+            </a:r>
+            <a:endParaRPr lang="en-BR" sz="2400" dirty="0"/>
+          </a:p>
+          <a:p>
             <a:pPr marL="0" indent="0">
               <a:lnSpc>
                 <a:spcPct val="150000"/>
@@ -12723,8 +12743,8 @@
         </p:nvSpPr>
         <p:spPr>
           <a:xfrm>
-            <a:off x="1860259" y="919734"/>
-            <a:ext cx="978153" cy="369332"/>
+            <a:off x="1654776" y="931559"/>
+            <a:ext cx="1686680" cy="369332"/>
           </a:xfrm>
           <a:prstGeom prst="rect">
             <a:avLst/>
@@ -12739,7 +12759,7 @@
           <a:p>
             <a:r>
               <a:rPr lang="en-BR" dirty="0"/>
-              <a:t>Vinicius</a:t>
+              <a:t>Jonas Eduardo</a:t>
             </a:r>
           </a:p>
         </p:txBody>
@@ -12759,7 +12779,7 @@
         <p:spPr>
           <a:xfrm>
             <a:off x="4767784" y="931559"/>
-            <a:ext cx="388248" cy="369332"/>
+            <a:ext cx="434734" cy="369332"/>
           </a:xfrm>
           <a:prstGeom prst="rect">
             <a:avLst/>
@@ -12774,7 +12794,7 @@
           <a:p>
             <a:r>
               <a:rPr lang="en-BR" dirty="0"/>
-              <a:t>21</a:t>
+              <a:t>24</a:t>
             </a:r>
           </a:p>
         </p:txBody>
@@ -12825,8 +12845,8 @@
         </p:nvSpPr>
         <p:spPr>
           <a:xfrm>
-            <a:off x="1118469" y="2362207"/>
-            <a:ext cx="2612572" cy="1477328"/>
+            <a:off x="748710" y="2056583"/>
+            <a:ext cx="3757218" cy="2616101"/>
           </a:xfrm>
           <a:prstGeom prst="rect">
             <a:avLst/>
@@ -12844,10 +12864,9 @@
               <a:buChar char="•"/>
             </a:pPr>
             <a:r>
-              <a:rPr lang="en-US" dirty="0" err="1"/>
+              <a:rPr lang="en-US" sz="1200" dirty="0"/>
               <a:t>Introvertido</a:t>
             </a:r>
-            <a:endParaRPr lang="en-US" dirty="0"/>
           </a:p>
           <a:p>
             <a:pPr marL="285750" indent="-285750">
@@ -12855,10 +12874,9 @@
               <a:buChar char="•"/>
             </a:pPr>
             <a:r>
-              <a:rPr lang="en-US" dirty="0" err="1"/>
+              <a:rPr lang="en-US" sz="1200" dirty="0"/>
               <a:t>Politica</a:t>
             </a:r>
-            <a:endParaRPr lang="en-US" dirty="0"/>
           </a:p>
           <a:p>
             <a:pPr marL="285750" indent="-285750">
@@ -12866,24 +12884,97 @@
               <a:buChar char="•"/>
             </a:pPr>
             <a:r>
-              <a:rPr lang="en-US" dirty="0" err="1"/>
+              <a:rPr lang="en-US" sz="1200" dirty="0"/>
               <a:t>Desabafos</a:t>
             </a:r>
-            <a:endParaRPr lang="en-US" dirty="0"/>
           </a:p>
           <a:p>
             <a:pPr marL="285750" indent="-285750">
               <a:buFont typeface="Arial" panose="020B0604020202020204" pitchFamily="34" charset="0"/>
               <a:buChar char="•"/>
             </a:pPr>
-            <a:endParaRPr lang="en-US" dirty="0"/>
+            <a:r>
+              <a:rPr lang="en-US" sz="1200" dirty="0"/>
+              <a:t>“Voce anda muito ocupado”</a:t>
+            </a:r>
           </a:p>
           <a:p>
             <a:pPr marL="285750" indent="-285750">
               <a:buFont typeface="Arial" panose="020B0604020202020204" pitchFamily="34" charset="0"/>
               <a:buChar char="•"/>
             </a:pPr>
-            <a:endParaRPr lang="en-US" dirty="0"/>
+            <a:r>
+              <a:rPr lang="en-US" sz="1200" dirty="0"/>
+              <a:t>“Voce deveria se alimentar melhor”</a:t>
+            </a:r>
+          </a:p>
+          <a:p>
+            <a:pPr marL="285750" indent="-285750">
+              <a:buFont typeface="Arial" panose="020B0604020202020204" pitchFamily="34" charset="0"/>
+              <a:buChar char="•"/>
+            </a:pPr>
+            <a:r>
+              <a:rPr lang="en-US" sz="1200" dirty="0"/>
+              <a:t>RAP</a:t>
+            </a:r>
+          </a:p>
+          <a:p>
+            <a:pPr marL="285750" indent="-285750">
+              <a:buFont typeface="Arial" panose="020B0604020202020204" pitchFamily="34" charset="0"/>
+              <a:buChar char="•"/>
+            </a:pPr>
+            <a:r>
+              <a:rPr lang="en-US" sz="1200" dirty="0"/>
+              <a:t>“Como voce é esforçado”</a:t>
+            </a:r>
+          </a:p>
+          <a:p>
+            <a:pPr marL="285750" indent="-285750">
+              <a:buFont typeface="Arial" panose="020B0604020202020204" pitchFamily="34" charset="0"/>
+              <a:buChar char="•"/>
+            </a:pPr>
+            <a:r>
+              <a:rPr lang="en-US" sz="1200" dirty="0"/>
+              <a:t>“Nossa, voce está acima do peso”</a:t>
+            </a:r>
+          </a:p>
+          <a:p>
+            <a:pPr marL="285750" indent="-285750">
+              <a:buFont typeface="Arial" panose="020B0604020202020204" pitchFamily="34" charset="0"/>
+              <a:buChar char="•"/>
+            </a:pPr>
+            <a:r>
+              <a:rPr lang="en-US" sz="1200" dirty="0"/>
+              <a:t>“Precisa cuidar da saude em”</a:t>
+            </a:r>
+          </a:p>
+          <a:p>
+            <a:pPr marL="285750" indent="-285750">
+              <a:buFont typeface="Arial" panose="020B0604020202020204" pitchFamily="34" charset="0"/>
+              <a:buChar char="•"/>
+            </a:pPr>
+            <a:endParaRPr lang="en-US" sz="1400" dirty="0"/>
+          </a:p>
+          <a:p>
+            <a:pPr marL="285750" indent="-285750">
+              <a:buFont typeface="Arial" panose="020B0604020202020204" pitchFamily="34" charset="0"/>
+              <a:buChar char="•"/>
+            </a:pPr>
+            <a:endParaRPr lang="en-US" sz="1400" dirty="0"/>
+          </a:p>
+          <a:p>
+            <a:pPr marL="285750" indent="-285750">
+              <a:buFont typeface="Arial" panose="020B0604020202020204" pitchFamily="34" charset="0"/>
+              <a:buChar char="•"/>
+            </a:pPr>
+            <a:endParaRPr lang="en-US" sz="1400" dirty="0"/>
+          </a:p>
+          <a:p>
+            <a:pPr marL="285750" indent="-285750">
+              <a:buFont typeface="Arial" panose="020B0604020202020204" pitchFamily="34" charset="0"/>
+              <a:buChar char="•"/>
+            </a:pPr>
+            <a:endParaRPr lang="en-US" sz="1400" dirty="0"/>
           </a:p>
         </p:txBody>
       </p:sp>
@@ -12901,8 +12992,8 @@
         </p:nvSpPr>
         <p:spPr>
           <a:xfrm>
-            <a:off x="858773" y="5608876"/>
-            <a:ext cx="2612572" cy="369332"/>
+            <a:off x="858772" y="5526331"/>
+            <a:ext cx="2398136" cy="830997"/>
           </a:xfrm>
           <a:prstGeom prst="rect">
             <a:avLst/>
@@ -12915,7 +13006,24 @@
           </a:bodyPr>
           <a:lstStyle/>
           <a:p>
-            <a:endParaRPr lang="en-US" dirty="0"/>
+            <a:pPr marL="285750" indent="-285750">
+              <a:buFont typeface="Arial" panose="020B0604020202020204" pitchFamily="34" charset="0"/>
+              <a:buChar char="•"/>
+            </a:pPr>
+            <a:r>
+              <a:rPr lang="en-US" sz="1200" dirty="0"/>
+              <a:t>Gostaria de ser mais valorizado</a:t>
+            </a:r>
+          </a:p>
+          <a:p>
+            <a:pPr marL="285750" indent="-285750">
+              <a:buFont typeface="Arial" panose="020B0604020202020204" pitchFamily="34" charset="0"/>
+              <a:buChar char="•"/>
+            </a:pPr>
+            <a:r>
+              <a:rPr lang="en-US" sz="1200" dirty="0"/>
+              <a:t>Não consegue ser produtivo o quanto deseja</a:t>
+            </a:r>
           </a:p>
         </p:txBody>
       </p:sp>
@@ -12933,8 +13041,8 @@
         </p:nvSpPr>
         <p:spPr>
           <a:xfrm>
-            <a:off x="3646818" y="1407962"/>
-            <a:ext cx="2612572" cy="1200329"/>
+            <a:off x="3678865" y="1519455"/>
+            <a:ext cx="2612572" cy="830997"/>
           </a:xfrm>
           <a:prstGeom prst="rect">
             <a:avLst/>
@@ -12952,10 +13060,9 @@
               <a:buChar char="•"/>
             </a:pPr>
             <a:r>
-              <a:rPr lang="en-US" dirty="0" err="1"/>
+              <a:rPr lang="en-US" sz="1200" dirty="0"/>
               <a:t>Pressionado</a:t>
             </a:r>
-            <a:endParaRPr lang="en-US" dirty="0"/>
           </a:p>
           <a:p>
             <a:pPr marL="285750" indent="-285750">
@@ -12963,10 +13070,9 @@
               <a:buChar char="•"/>
             </a:pPr>
             <a:r>
-              <a:rPr lang="en-US" dirty="0" err="1"/>
+              <a:rPr lang="en-US" sz="1200" dirty="0"/>
               <a:t>Atarefado</a:t>
             </a:r>
-            <a:endParaRPr lang="en-US" dirty="0"/>
           </a:p>
           <a:p>
             <a:pPr marL="285750" indent="-285750">
@@ -12974,29 +13080,19 @@
               <a:buChar char="•"/>
             </a:pPr>
             <a:r>
-              <a:rPr lang="en-US" dirty="0"/>
-              <a:t>O </a:t>
-            </a:r>
-            <a:r>
-              <a:rPr lang="en-US" dirty="0" err="1"/>
-              <a:t>melhor</a:t>
-            </a:r>
-            <a:r>
-              <a:rPr lang="en-US" dirty="0"/>
-              <a:t> no que </a:t>
-            </a:r>
-            <a:r>
-              <a:rPr lang="en-US" dirty="0" err="1"/>
-              <a:t>faz</a:t>
-            </a:r>
-            <a:endParaRPr lang="en-US" dirty="0"/>
+              <a:rPr lang="en-US" sz="1200" dirty="0"/>
+              <a:t>Feio</a:t>
+            </a:r>
           </a:p>
           <a:p>
             <a:pPr marL="285750" indent="-285750">
               <a:buFont typeface="Arial" panose="020B0604020202020204" pitchFamily="34" charset="0"/>
               <a:buChar char="•"/>
             </a:pPr>
-            <a:endParaRPr lang="en-US" dirty="0"/>
+            <a:r>
+              <a:rPr lang="en-US" sz="1200" dirty="0"/>
+              <a:t>Vergonha do corpo</a:t>
+            </a:r>
           </a:p>
         </p:txBody>
       </p:sp>
@@ -13014,8 +13110,8 @@
         </p:nvSpPr>
         <p:spPr>
           <a:xfrm>
-            <a:off x="8787739" y="2287082"/>
-            <a:ext cx="2612572" cy="2862322"/>
+            <a:off x="8744714" y="2462227"/>
+            <a:ext cx="2612572" cy="2062103"/>
           </a:xfrm>
           <a:prstGeom prst="rect">
             <a:avLst/>
@@ -13033,7 +13129,7 @@
               <a:buChar char="•"/>
             </a:pPr>
             <a:r>
-              <a:rPr lang="en-US" dirty="0"/>
+              <a:rPr lang="en-US" sz="1200" dirty="0"/>
               <a:t>Series</a:t>
             </a:r>
           </a:p>
@@ -13043,14 +13139,9 @@
               <a:buChar char="•"/>
             </a:pPr>
             <a:r>
-              <a:rPr lang="en-US" dirty="0"/>
-              <a:t>Videos de </a:t>
-            </a:r>
-            <a:r>
-              <a:rPr lang="en-US" dirty="0" err="1"/>
-              <a:t>animais</a:t>
-            </a:r>
-            <a:endParaRPr lang="en-US" dirty="0"/>
+              <a:rPr lang="en-US" sz="1200" dirty="0"/>
+              <a:t>Videos de animais</a:t>
+            </a:r>
           </a:p>
           <a:p>
             <a:pPr marL="285750" indent="-285750">
@@ -13058,18 +13149,9 @@
               <a:buChar char="•"/>
             </a:pPr>
             <a:r>
-              <a:rPr lang="en-US" dirty="0" err="1"/>
-              <a:t>Noticias</a:t>
-            </a:r>
-            <a:r>
-              <a:rPr lang="en-US" dirty="0"/>
-              <a:t> do </a:t>
-            </a:r>
-            <a:r>
-              <a:rPr lang="en-US" dirty="0" err="1"/>
-              <a:t>mundo</a:t>
-            </a:r>
-            <a:endParaRPr lang="en-US" dirty="0"/>
+              <a:rPr lang="en-US" sz="1200" dirty="0"/>
+              <a:t>Noticias do mundo</a:t>
+            </a:r>
           </a:p>
           <a:p>
             <a:pPr marL="285750" indent="-285750">
@@ -13077,22 +13159,56 @@
               <a:buChar char="•"/>
             </a:pPr>
             <a:r>
-              <a:rPr lang="en-US" dirty="0"/>
-              <a:t>Podcast </a:t>
-            </a:r>
-            <a:r>
-              <a:rPr lang="en-US" dirty="0" err="1"/>
-              <a:t>relacionados</a:t>
-            </a:r>
-            <a:r>
-              <a:rPr lang="en-US" dirty="0"/>
-              <a:t> a </a:t>
-            </a:r>
-            <a:r>
-              <a:rPr lang="en-US" dirty="0" err="1"/>
-              <a:t>saúde</a:t>
-            </a:r>
-            <a:endParaRPr lang="en-US" dirty="0"/>
+              <a:rPr lang="en-US" sz="1200" dirty="0"/>
+              <a:t>Podcast sobre saúde</a:t>
+            </a:r>
+          </a:p>
+          <a:p>
+            <a:pPr marL="285750" indent="-285750">
+              <a:buFont typeface="Arial" panose="020B0604020202020204" pitchFamily="34" charset="0"/>
+              <a:buChar char="•"/>
+            </a:pPr>
+            <a:r>
+              <a:rPr lang="en-US" sz="1200" dirty="0"/>
+              <a:t>Cursos sobre tecnologia</a:t>
+            </a:r>
+          </a:p>
+          <a:p>
+            <a:pPr marL="285750" indent="-285750">
+              <a:buFont typeface="Arial" panose="020B0604020202020204" pitchFamily="34" charset="0"/>
+              <a:buChar char="•"/>
+            </a:pPr>
+            <a:r>
+              <a:rPr lang="en-US" sz="1200" dirty="0"/>
+              <a:t>Redes sociais</a:t>
+            </a:r>
+          </a:p>
+          <a:p>
+            <a:pPr marL="285750" indent="-285750">
+              <a:buFont typeface="Arial" panose="020B0604020202020204" pitchFamily="34" charset="0"/>
+              <a:buChar char="•"/>
+            </a:pPr>
+            <a:r>
+              <a:rPr lang="en-US" sz="1200" dirty="0"/>
+              <a:t>Masterchef</a:t>
+            </a:r>
+          </a:p>
+          <a:p>
+            <a:pPr marL="285750" indent="-285750">
+              <a:buFont typeface="Arial" panose="020B0604020202020204" pitchFamily="34" charset="0"/>
+              <a:buChar char="•"/>
+            </a:pPr>
+            <a:r>
+              <a:rPr lang="en-US" sz="1200" dirty="0"/>
+              <a:t>Instagram de treinos e nutrição</a:t>
+            </a:r>
+          </a:p>
+          <a:p>
+            <a:pPr marL="285750" indent="-285750">
+              <a:buFont typeface="Arial" panose="020B0604020202020204" pitchFamily="34" charset="0"/>
+              <a:buChar char="•"/>
+            </a:pPr>
+            <a:endParaRPr lang="en-US" sz="1400" dirty="0"/>
           </a:p>
           <a:p>
             <a:pPr marL="285750" indent="-285750">
@@ -13101,30 +13217,6 @@
             </a:pPr>
             <a:endParaRPr lang="en-US" dirty="0"/>
           </a:p>
-          <a:p>
-            <a:pPr marL="285750" indent="-285750">
-              <a:buFont typeface="Arial" panose="020B0604020202020204" pitchFamily="34" charset="0"/>
-              <a:buChar char="•"/>
-            </a:pPr>
-            <a:endParaRPr lang="en-US" dirty="0"/>
-          </a:p>
-          <a:p>
-            <a:pPr marL="285750" indent="-285750">
-              <a:buFont typeface="Arial" panose="020B0604020202020204" pitchFamily="34" charset="0"/>
-              <a:buChar char="•"/>
-            </a:pPr>
-            <a:endParaRPr lang="en-US" dirty="0"/>
-          </a:p>
-          <a:p>
-            <a:endParaRPr lang="en-US" dirty="0"/>
-          </a:p>
-          <a:p>
-            <a:pPr marL="285750" indent="-285750">
-              <a:buFont typeface="Arial" panose="020B0604020202020204" pitchFamily="34" charset="0"/>
-              <a:buChar char="•"/>
-            </a:pPr>
-            <a:endParaRPr lang="en-US" dirty="0"/>
-          </a:p>
         </p:txBody>
       </p:sp>
       <p:sp>
@@ -13141,8 +13233,8 @@
         </p:nvSpPr>
         <p:spPr>
           <a:xfrm>
-            <a:off x="3471345" y="4001507"/>
-            <a:ext cx="2606841" cy="1785104"/>
+            <a:off x="2562546" y="4280041"/>
+            <a:ext cx="2606841" cy="923330"/>
           </a:xfrm>
           <a:prstGeom prst="rect">
             <a:avLst/>
@@ -13167,12 +13259,8 @@
               <a:buChar char="•"/>
             </a:pPr>
             <a:r>
-              <a:rPr lang="en-US" sz="1400" dirty="0" err="1"/>
-              <a:t>Tarefas</a:t>
-            </a:r>
-            <a:r>
-              <a:rPr lang="en-US" sz="1400" dirty="0"/>
-              <a:t> de casa</a:t>
+              <a:rPr lang="en-US" sz="1200" dirty="0"/>
+              <a:t>Tarefas de casa</a:t>
             </a:r>
           </a:p>
           <a:p>
@@ -13181,26 +13269,9 @@
               <a:buChar char="•"/>
             </a:pPr>
             <a:r>
-              <a:rPr lang="en-US" sz="1400" dirty="0" err="1"/>
-              <a:t>Comentar</a:t>
-            </a:r>
-            <a:r>
-              <a:rPr lang="en-US" sz="1400" dirty="0"/>
-              <a:t> </a:t>
-            </a:r>
-            <a:r>
-              <a:rPr lang="en-US" sz="1400" dirty="0" err="1"/>
-              <a:t>sobre</a:t>
-            </a:r>
-            <a:r>
-              <a:rPr lang="en-US" sz="1400" dirty="0"/>
-              <a:t> </a:t>
-            </a:r>
-            <a:r>
-              <a:rPr lang="en-US" sz="1400" dirty="0" err="1"/>
-              <a:t>esportes</a:t>
-            </a:r>
-            <a:endParaRPr lang="en-US" sz="1400" dirty="0"/>
+              <a:rPr lang="en-US" sz="1200" dirty="0"/>
+              <a:t>Comentar sobre esportes</a:t>
+            </a:r>
           </a:p>
           <a:p>
             <a:pPr marL="285750" indent="-285750">
@@ -13208,27 +13279,9 @@
               <a:buChar char="•"/>
             </a:pPr>
             <a:r>
-              <a:rPr lang="en-US" sz="1400" dirty="0" err="1"/>
+              <a:rPr lang="en-US" sz="1200" dirty="0"/>
               <a:t>Trabalhar</a:t>
             </a:r>
-            <a:endParaRPr lang="en-US" sz="1400" dirty="0"/>
-          </a:p>
-          <a:p>
-            <a:pPr marL="285750" indent="-285750">
-              <a:buFont typeface="Arial" panose="020B0604020202020204" pitchFamily="34" charset="0"/>
-              <a:buChar char="•"/>
-            </a:pPr>
-            <a:endParaRPr lang="en-US" sz="1400" dirty="0"/>
-          </a:p>
-          <a:p>
-            <a:endParaRPr lang="en-US" dirty="0"/>
-          </a:p>
-          <a:p>
-            <a:pPr marL="285750" indent="-285750">
-              <a:buFont typeface="Arial" panose="020B0604020202020204" pitchFamily="34" charset="0"/>
-              <a:buChar char="•"/>
-            </a:pPr>
-            <a:endParaRPr lang="en-US" dirty="0"/>
           </a:p>
         </p:txBody>
       </p:sp>
@@ -13246,8 +13299,8 @@
         </p:nvSpPr>
         <p:spPr>
           <a:xfrm>
-            <a:off x="6375071" y="5550093"/>
-            <a:ext cx="2315688" cy="1754326"/>
+            <a:off x="6187927" y="5375002"/>
+            <a:ext cx="2315688" cy="738664"/>
           </a:xfrm>
           <a:prstGeom prst="rect">
             <a:avLst/>
@@ -13268,45 +13321,19 @@
               <a:buChar char="•"/>
             </a:pPr>
             <a:r>
-              <a:rPr lang="en-US" dirty="0"/>
-              <a:t>Ter </a:t>
-            </a:r>
-            <a:r>
-              <a:rPr lang="en-US" dirty="0" err="1"/>
-              <a:t>uma</a:t>
-            </a:r>
-            <a:r>
-              <a:rPr lang="en-US" dirty="0"/>
-              <a:t> boa </a:t>
-            </a:r>
-            <a:r>
-              <a:rPr lang="en-US" dirty="0" err="1"/>
-              <a:t>renda</a:t>
-            </a:r>
-            <a:r>
-              <a:rPr lang="en-US" dirty="0"/>
-              <a:t> </a:t>
-            </a:r>
-          </a:p>
-          <a:p>
-            <a:endParaRPr lang="en-US" dirty="0"/>
+              <a:rPr lang="en-US" sz="1200" dirty="0"/>
+              <a:t>Se organizar melhor</a:t>
+            </a:r>
           </a:p>
           <a:p>
             <a:pPr marL="285750" indent="-285750">
               <a:buFont typeface="Arial" panose="020B0604020202020204" pitchFamily="34" charset="0"/>
               <a:buChar char="•"/>
             </a:pPr>
-            <a:endParaRPr lang="en-US" dirty="0"/>
-          </a:p>
-          <a:p>
-            <a:endParaRPr lang="en-US" dirty="0"/>
-          </a:p>
-          <a:p>
-            <a:pPr marL="285750" indent="-285750">
-              <a:buFont typeface="Arial" panose="020B0604020202020204" pitchFamily="34" charset="0"/>
-              <a:buChar char="•"/>
-            </a:pPr>
-            <a:endParaRPr lang="en-US" dirty="0"/>
+            <a:r>
+              <a:rPr lang="en-US" sz="1200" dirty="0"/>
+              <a:t>Melhorar alimentação</a:t>
+            </a:r>
           </a:p>
         </p:txBody>
       </p:sp>
@@ -13324,8 +13351,8 @@
         </p:nvSpPr>
         <p:spPr>
           <a:xfrm>
-            <a:off x="6187927" y="3992008"/>
-            <a:ext cx="2606841" cy="2000548"/>
+            <a:off x="4806959" y="4124221"/>
+            <a:ext cx="2606841" cy="769441"/>
           </a:xfrm>
           <a:prstGeom prst="rect">
             <a:avLst/>
@@ -13350,45 +13377,79 @@
               <a:buChar char="•"/>
             </a:pPr>
             <a:r>
-              <a:rPr lang="en-US" sz="1400" dirty="0" err="1"/>
-              <a:t>Consolar</a:t>
+              <a:rPr lang="en-US" sz="1200" dirty="0"/>
+              <a:t>Ajuda os meus amigos</a:t>
+            </a:r>
+          </a:p>
+          <a:p>
+            <a:pPr marL="285750" indent="-285750">
+              <a:buFont typeface="Arial" panose="020B0604020202020204" pitchFamily="34" charset="0"/>
+              <a:buChar char="•"/>
+            </a:pPr>
+            <a:r>
+              <a:rPr lang="en-US" sz="1200" dirty="0"/>
+              <a:t>“Queria muito emagrecer</a:t>
             </a:r>
             <a:r>
               <a:rPr lang="en-US" sz="1400" dirty="0"/>
-              <a:t> </a:t>
-            </a:r>
-            <a:r>
-              <a:rPr lang="en-US" sz="1400" dirty="0" err="1"/>
-              <a:t>pessoas</a:t>
-            </a:r>
-            <a:endParaRPr lang="en-US" sz="1400" dirty="0"/>
-          </a:p>
+              <a:t>”</a:t>
+            </a:r>
+          </a:p>
+        </p:txBody>
+      </p:sp>
+      <p:sp>
+        <p:nvSpPr>
+          <p:cNvPr id="15" name="TextBox 14">
+            <a:extLst>
+              <a:ext uri="{FF2B5EF4-FFF2-40B4-BE49-F238E27FC236}">
+                <a16:creationId xmlns:a16="http://schemas.microsoft.com/office/drawing/2014/main" id="{7F1DA475-CAD3-CE3B-3F82-2BC15E71FC10}"/>
+              </a:ext>
+            </a:extLst>
+          </p:cNvPr>
+          <p:cNvSpPr txBox="1"/>
+          <p:nvPr/>
+        </p:nvSpPr>
+        <p:spPr>
+          <a:xfrm>
+            <a:off x="7102140" y="4036641"/>
+            <a:ext cx="1998843" cy="1323439"/>
+          </a:xfrm>
+          <a:prstGeom prst="rect">
+            <a:avLst/>
+          </a:prstGeom>
+          <a:noFill/>
+        </p:spPr>
+        <p:txBody>
+          <a:bodyPr wrap="square" rtlCol="0">
+            <a:spAutoFit/>
+          </a:bodyPr>
+          <a:lstStyle/>
           <a:p>
             <a:pPr marL="285750" indent="-285750">
               <a:buFont typeface="Arial" panose="020B0604020202020204" pitchFamily="34" charset="0"/>
               <a:buChar char="•"/>
             </a:pPr>
-            <a:r>
-              <a:rPr lang="en-US" sz="1400" dirty="0" err="1"/>
-              <a:t>Influenciar</a:t>
-            </a:r>
-            <a:r>
-              <a:rPr lang="en-US" sz="1400" dirty="0"/>
-              <a:t> </a:t>
-            </a:r>
-            <a:r>
-              <a:rPr lang="en-US" sz="1400" dirty="0" err="1"/>
-              <a:t>pessoas</a:t>
-            </a:r>
-            <a:r>
-              <a:rPr lang="en-US" sz="1400" dirty="0"/>
-              <a:t> a se </a:t>
-            </a:r>
-            <a:r>
-              <a:rPr lang="en-US" sz="1400" dirty="0" err="1"/>
-              <a:t>cuidarem</a:t>
-            </a:r>
-            <a:endParaRPr lang="en-US" sz="1400" dirty="0"/>
+            <a:endParaRPr lang="en-US" dirty="0"/>
+          </a:p>
+          <a:p>
+            <a:pPr marL="285750" indent="-285750">
+              <a:buFont typeface="Arial" panose="020B0604020202020204" pitchFamily="34" charset="0"/>
+              <a:buChar char="•"/>
+            </a:pPr>
+            <a:r>
+              <a:rPr lang="en-US" sz="1200" dirty="0"/>
+              <a:t>“Não estou me sentido bem”</a:t>
+            </a:r>
+          </a:p>
+          <a:p>
+            <a:pPr marL="285750" indent="-285750">
+              <a:buFont typeface="Arial" panose="020B0604020202020204" pitchFamily="34" charset="0"/>
+              <a:buChar char="•"/>
+            </a:pPr>
+            <a:r>
+              <a:rPr lang="en-US" sz="1200" dirty="0"/>
+              <a:t>“Nossa, minha pressão está muito alta”</a:t>
+            </a:r>
           </a:p>
           <a:p>
             <a:pPr marL="285750" indent="-285750">
@@ -13397,6 +13458,75 @@
             </a:pPr>
             <a:endParaRPr lang="en-US" sz="1400" dirty="0"/>
           </a:p>
+        </p:txBody>
+      </p:sp>
+      <p:sp>
+        <p:nvSpPr>
+          <p:cNvPr id="16" name="TextBox 15">
+            <a:extLst>
+              <a:ext uri="{FF2B5EF4-FFF2-40B4-BE49-F238E27FC236}">
+                <a16:creationId xmlns:a16="http://schemas.microsoft.com/office/drawing/2014/main" id="{AAD292FC-2C17-F7F7-F506-FBEC10FA337C}"/>
+              </a:ext>
+            </a:extLst>
+          </p:cNvPr>
+          <p:cNvSpPr txBox="1"/>
+          <p:nvPr/>
+        </p:nvSpPr>
+        <p:spPr>
+          <a:xfrm>
+            <a:off x="6381552" y="1380613"/>
+            <a:ext cx="2612572" cy="1231106"/>
+          </a:xfrm>
+          <a:prstGeom prst="rect">
+            <a:avLst/>
+          </a:prstGeom>
+          <a:noFill/>
+        </p:spPr>
+        <p:txBody>
+          <a:bodyPr wrap="square" rtlCol="0">
+            <a:spAutoFit/>
+          </a:bodyPr>
+          <a:lstStyle/>
+          <a:p>
+            <a:pPr marL="285750" indent="-285750">
+              <a:buFont typeface="Arial" panose="020B0604020202020204" pitchFamily="34" charset="0"/>
+              <a:buChar char="•"/>
+            </a:pPr>
+            <a:r>
+              <a:rPr lang="en-US" sz="1200" dirty="0"/>
+              <a:t>Dor no corpo</a:t>
+            </a:r>
+          </a:p>
+          <a:p>
+            <a:pPr marL="285750" indent="-285750">
+              <a:buFont typeface="Arial" panose="020B0604020202020204" pitchFamily="34" charset="0"/>
+              <a:buChar char="•"/>
+            </a:pPr>
+            <a:r>
+              <a:rPr lang="en-US" sz="1200" dirty="0"/>
+              <a:t>Inteligente</a:t>
+            </a:r>
+          </a:p>
+          <a:p>
+            <a:pPr marL="285750" indent="-285750">
+              <a:buFont typeface="Arial" panose="020B0604020202020204" pitchFamily="34" charset="0"/>
+              <a:buChar char="•"/>
+            </a:pPr>
+            <a:r>
+              <a:rPr lang="en-US" sz="1200" dirty="0"/>
+              <a:t>Otimista</a:t>
+            </a:r>
+          </a:p>
+          <a:p>
+            <a:pPr marL="285750" indent="-285750">
+              <a:buFont typeface="Arial" panose="020B0604020202020204" pitchFamily="34" charset="0"/>
+              <a:buChar char="•"/>
+            </a:pPr>
+            <a:r>
+              <a:rPr lang="en-US" sz="1200" dirty="0"/>
+              <a:t>Desconfortavel nas lojas de roupas</a:t>
+            </a:r>
+          </a:p>
           <a:p>
             <a:pPr marL="285750" indent="-285750">
               <a:buFont typeface="Arial" panose="020B0604020202020204" pitchFamily="34" charset="0"/>
@@ -13404,6 +13534,35 @@
             </a:pPr>
             <a:endParaRPr lang="en-US" sz="1400" dirty="0"/>
           </a:p>
+        </p:txBody>
+      </p:sp>
+      <p:sp>
+        <p:nvSpPr>
+          <p:cNvPr id="17" name="TextBox 16">
+            <a:extLst>
+              <a:ext uri="{FF2B5EF4-FFF2-40B4-BE49-F238E27FC236}">
+                <a16:creationId xmlns:a16="http://schemas.microsoft.com/office/drawing/2014/main" id="{66DF6819-02B3-5474-3B5E-E76DCDCA511A}"/>
+              </a:ext>
+            </a:extLst>
+          </p:cNvPr>
+          <p:cNvSpPr txBox="1"/>
+          <p:nvPr/>
+        </p:nvSpPr>
+        <p:spPr>
+          <a:xfrm>
+            <a:off x="8503615" y="5389924"/>
+            <a:ext cx="2315688" cy="738664"/>
+          </a:xfrm>
+          <a:prstGeom prst="rect">
+            <a:avLst/>
+          </a:prstGeom>
+          <a:noFill/>
+        </p:spPr>
+        <p:txBody>
+          <a:bodyPr wrap="square" rtlCol="0">
+            <a:spAutoFit/>
+          </a:bodyPr>
+          <a:lstStyle/>
           <a:p>
             <a:endParaRPr lang="en-US" dirty="0"/>
           </a:p>
@@ -13412,14 +13571,97 @@
               <a:buFont typeface="Arial" panose="020B0604020202020204" pitchFamily="34" charset="0"/>
               <a:buChar char="•"/>
             </a:pPr>
-            <a:endParaRPr lang="en-US" dirty="0"/>
+            <a:r>
+              <a:rPr lang="en-US" sz="1200" dirty="0"/>
+              <a:t>Ter mais disposição</a:t>
+            </a:r>
+          </a:p>
+          <a:p>
+            <a:pPr marL="285750" indent="-285750">
+              <a:buFont typeface="Arial" panose="020B0604020202020204" pitchFamily="34" charset="0"/>
+              <a:buChar char="•"/>
+            </a:pPr>
+            <a:r>
+              <a:rPr lang="en-US" sz="1200" dirty="0"/>
+              <a:t>Se sentir mais atraente</a:t>
+            </a:r>
+          </a:p>
+        </p:txBody>
+      </p:sp>
+      <p:sp>
+        <p:nvSpPr>
+          <p:cNvPr id="18" name="TextBox 17">
+            <a:extLst>
+              <a:ext uri="{FF2B5EF4-FFF2-40B4-BE49-F238E27FC236}">
+                <a16:creationId xmlns:a16="http://schemas.microsoft.com/office/drawing/2014/main" id="{D4BDBB3A-F085-8829-6FE6-E76DCB3E3F7F}"/>
+              </a:ext>
+            </a:extLst>
+          </p:cNvPr>
+          <p:cNvSpPr txBox="1"/>
+          <p:nvPr/>
+        </p:nvSpPr>
+        <p:spPr>
+          <a:xfrm>
+            <a:off x="3568716" y="5485359"/>
+            <a:ext cx="2398136" cy="1200329"/>
+          </a:xfrm>
+          <a:prstGeom prst="rect">
+            <a:avLst/>
+          </a:prstGeom>
+          <a:noFill/>
+        </p:spPr>
+        <p:txBody>
+          <a:bodyPr wrap="square" rtlCol="0">
+            <a:spAutoFit/>
+          </a:bodyPr>
+          <a:lstStyle/>
+          <a:p>
+            <a:pPr marL="285750" indent="-285750">
+              <a:buFont typeface="Arial" panose="020B0604020202020204" pitchFamily="34" charset="0"/>
+              <a:buChar char="•"/>
+            </a:pPr>
+            <a:r>
+              <a:rPr lang="en-US" sz="1200" dirty="0"/>
+              <a:t>Vergonha de ir em lugares publicos</a:t>
+            </a:r>
+          </a:p>
+          <a:p>
+            <a:pPr marL="285750" indent="-285750">
+              <a:buFont typeface="Arial" panose="020B0604020202020204" pitchFamily="34" charset="0"/>
+              <a:buChar char="•"/>
+            </a:pPr>
+            <a:r>
+              <a:rPr lang="en-US" sz="1200" dirty="0"/>
+              <a:t>Saúde comprometida</a:t>
+            </a:r>
+          </a:p>
+          <a:p>
+            <a:pPr marL="285750" indent="-285750">
+              <a:buFont typeface="Arial" panose="020B0604020202020204" pitchFamily="34" charset="0"/>
+              <a:buChar char="•"/>
+            </a:pPr>
+            <a:endParaRPr lang="en-US" sz="1200" dirty="0"/>
+          </a:p>
+          <a:p>
+            <a:pPr marL="285750" indent="-285750">
+              <a:buFont typeface="Arial" panose="020B0604020202020204" pitchFamily="34" charset="0"/>
+              <a:buChar char="•"/>
+            </a:pPr>
+            <a:endParaRPr lang="en-US" sz="1200" dirty="0"/>
+          </a:p>
+          <a:p>
+            <a:pPr marL="285750" indent="-285750">
+              <a:buFont typeface="Arial" panose="020B0604020202020204" pitchFamily="34" charset="0"/>
+              <a:buChar char="•"/>
+            </a:pPr>
+            <a:endParaRPr lang="en-US" sz="1200" dirty="0"/>
           </a:p>
         </p:txBody>
       </p:sp>
     </p:spTree>
     <p:extLst>
       <p:ext uri="{BB962C8B-B14F-4D97-AF65-F5344CB8AC3E}">
-        <p14:creationId xmlns:p14="http://schemas.microsoft.com/office/powerpoint/2010/main" val="1918252887"/>
+        <p14:creationId xmlns:p14="http://schemas.microsoft.com/office/powerpoint/2010/main" val="3107760356"/>
       </p:ext>
     </p:extLst>
   </p:cSld>
@@ -14594,6 +14836,84 @@
           </a:prstGeom>
         </p:spPr>
       </p:pic>
+      <p:pic>
+        <p:nvPicPr>
+          <p:cNvPr id="5" name="Gráfico 78" descr="Rosto neutro sem preenchimento ">
+            <a:extLst>
+              <a:ext uri="{FF2B5EF4-FFF2-40B4-BE49-F238E27FC236}">
+                <a16:creationId xmlns:a16="http://schemas.microsoft.com/office/drawing/2014/main" id="{ECFF7CB7-58FE-B2DF-6BFD-CDFD71958428}"/>
+              </a:ext>
+            </a:extLst>
+          </p:cNvPr>
+          <p:cNvPicPr>
+            <a:picLocks noChangeAspect="1"/>
+          </p:cNvPicPr>
+          <p:nvPr/>
+        </p:nvPicPr>
+        <p:blipFill>
+          <a:blip r:embed="rId13">
+            <a:extLst>
+              <a:ext uri="{28A0092B-C50C-407E-A947-70E740481C1C}">
+                <a14:useLocalDpi xmlns:a14="http://schemas.microsoft.com/office/drawing/2010/main"/>
+              </a:ext>
+              <a:ext uri="{96DAC541-7B7A-43D3-8B79-37D633B846F1}">
+                <asvg:svgBlip xmlns:asvg="http://schemas.microsoft.com/office/drawing/2016/SVG/main" r:embed="rId14"/>
+              </a:ext>
+            </a:extLst>
+          </a:blip>
+          <a:stretch>
+            <a:fillRect/>
+          </a:stretch>
+        </p:blipFill>
+        <p:spPr>
+          <a:xfrm>
+            <a:off x="12497728" y="2111028"/>
+            <a:ext cx="914400" cy="914400"/>
+          </a:xfrm>
+          <a:prstGeom prst="rect">
+            <a:avLst/>
+          </a:prstGeom>
+        </p:spPr>
+      </p:pic>
+      <p:pic>
+        <p:nvPicPr>
+          <p:cNvPr id="7" name="Gráfico 78" descr="Rosto neutro sem preenchimento ">
+            <a:extLst>
+              <a:ext uri="{FF2B5EF4-FFF2-40B4-BE49-F238E27FC236}">
+                <a16:creationId xmlns:a16="http://schemas.microsoft.com/office/drawing/2014/main" id="{9DCF991D-14E3-2288-66B2-470D09823517}"/>
+              </a:ext>
+            </a:extLst>
+          </p:cNvPr>
+          <p:cNvPicPr>
+            <a:picLocks noChangeAspect="1"/>
+          </p:cNvPicPr>
+          <p:nvPr/>
+        </p:nvPicPr>
+        <p:blipFill>
+          <a:blip r:embed="rId13">
+            <a:extLst>
+              <a:ext uri="{28A0092B-C50C-407E-A947-70E740481C1C}">
+                <a14:useLocalDpi xmlns:a14="http://schemas.microsoft.com/office/drawing/2010/main"/>
+              </a:ext>
+              <a:ext uri="{96DAC541-7B7A-43D3-8B79-37D633B846F1}">
+                <asvg:svgBlip xmlns:asvg="http://schemas.microsoft.com/office/drawing/2016/SVG/main" r:embed="rId14"/>
+              </a:ext>
+            </a:extLst>
+          </a:blip>
+          <a:stretch>
+            <a:fillRect/>
+          </a:stretch>
+        </p:blipFill>
+        <p:spPr>
+          <a:xfrm>
+            <a:off x="12650128" y="2263428"/>
+            <a:ext cx="914400" cy="914400"/>
+          </a:xfrm>
+          <a:prstGeom prst="rect">
+            <a:avLst/>
+          </a:prstGeom>
+        </p:spPr>
+      </p:pic>
       <p:sp>
         <p:nvSpPr>
           <p:cNvPr id="8" name="Retângulo 44">
@@ -15111,8 +15431,8 @@
         </p:nvSpPr>
         <p:spPr>
           <a:xfrm>
-            <a:off x="5253991" y="6173153"/>
-            <a:ext cx="2193056" cy="584775"/>
+            <a:off x="5253990" y="6173153"/>
+            <a:ext cx="2860421" cy="830997"/>
           </a:xfrm>
           <a:prstGeom prst="rect">
             <a:avLst/>
@@ -15132,7 +15452,7 @@
               <a:rPr lang="pt-BR" sz="1600" dirty="0">
                 <a:latin typeface="Exo 2" panose="00000500000000000000" pitchFamily="50" charset="0"/>
               </a:rPr>
-              <a:t>Enxugar o cadastro</a:t>
+              <a:t>Diminuir quantidade de informações solicitadas</a:t>
             </a:r>
           </a:p>
           <a:p>
@@ -15233,109 +15553,10 @@
           </a:p>
         </p:txBody>
       </p:sp>
-      <p:sp>
-        <p:nvSpPr>
-          <p:cNvPr id="22" name="Retângulo 51">
-            <a:extLst>
-              <a:ext uri="{FF2B5EF4-FFF2-40B4-BE49-F238E27FC236}">
-                <a16:creationId xmlns:a16="http://schemas.microsoft.com/office/drawing/2014/main" id="{86893121-3FC8-E0FE-A1FD-2EE9BA6C61C6}"/>
-              </a:ext>
-            </a:extLst>
-          </p:cNvPr>
-          <p:cNvSpPr/>
-          <p:nvPr/>
-        </p:nvSpPr>
-        <p:spPr>
-          <a:xfrm>
-            <a:off x="7912753" y="6134571"/>
-            <a:ext cx="2193056" cy="584775"/>
-          </a:xfrm>
-          <a:prstGeom prst="rect">
-            <a:avLst/>
-          </a:prstGeom>
-        </p:spPr>
-        <p:txBody>
-          <a:bodyPr wrap="square">
-            <a:spAutoFit/>
-          </a:bodyPr>
-          <a:lstStyle/>
-          <a:p>
-            <a:pPr marL="342900" indent="-342900">
-              <a:buFont typeface="Arial" panose="020B0604020202020204" pitchFamily="34" charset="0"/>
-              <a:buChar char="•"/>
-            </a:pPr>
-            <a:r>
-              <a:rPr lang="pt-BR" sz="1600" dirty="0">
-                <a:latin typeface="Exo 2" panose="00000500000000000000" pitchFamily="50" charset="0"/>
-              </a:rPr>
-              <a:t>Opção de dieta</a:t>
-            </a:r>
-          </a:p>
-          <a:p>
-            <a:endParaRPr lang="pt-BR" sz="1600" dirty="0">
-              <a:latin typeface="Exo 2" panose="00000500000000000000" pitchFamily="50" charset="0"/>
-            </a:endParaRPr>
-          </a:p>
-        </p:txBody>
-      </p:sp>
-      <p:sp>
-        <p:nvSpPr>
-          <p:cNvPr id="23" name="Retângulo 51">
-            <a:extLst>
-              <a:ext uri="{FF2B5EF4-FFF2-40B4-BE49-F238E27FC236}">
-                <a16:creationId xmlns:a16="http://schemas.microsoft.com/office/drawing/2014/main" id="{2321D122-975F-2966-1310-EE363B32AED2}"/>
-              </a:ext>
-            </a:extLst>
-          </p:cNvPr>
-          <p:cNvSpPr/>
-          <p:nvPr/>
-        </p:nvSpPr>
-        <p:spPr>
-          <a:xfrm>
-            <a:off x="9950104" y="6098578"/>
-            <a:ext cx="2193056" cy="830997"/>
-          </a:xfrm>
-          <a:prstGeom prst="rect">
-            <a:avLst/>
-          </a:prstGeom>
-        </p:spPr>
-        <p:txBody>
-          <a:bodyPr wrap="square">
-            <a:spAutoFit/>
-          </a:bodyPr>
-          <a:lstStyle/>
-          <a:p>
-            <a:pPr marL="342900" indent="-342900">
-              <a:buFont typeface="Arial" panose="020B0604020202020204" pitchFamily="34" charset="0"/>
-              <a:buChar char="•"/>
-            </a:pPr>
-            <a:r>
-              <a:rPr lang="pt-BR" sz="1600" dirty="0">
-                <a:latin typeface="Exo 2" panose="00000500000000000000" pitchFamily="50" charset="0"/>
-              </a:rPr>
-              <a:t>Melhorar </a:t>
-            </a:r>
-            <a:r>
-              <a:rPr lang="pt-BR" sz="1600" dirty="0" err="1">
-                <a:latin typeface="Exo 2" panose="00000500000000000000" pitchFamily="50" charset="0"/>
-              </a:rPr>
-              <a:t>gameficação</a:t>
-            </a:r>
-            <a:endParaRPr lang="pt-BR" sz="1600" dirty="0">
-              <a:latin typeface="Exo 2" panose="00000500000000000000" pitchFamily="50" charset="0"/>
-            </a:endParaRPr>
-          </a:p>
-          <a:p>
-            <a:endParaRPr lang="pt-BR" sz="1600" dirty="0">
-              <a:latin typeface="Exo 2" panose="00000500000000000000" pitchFamily="50" charset="0"/>
-            </a:endParaRPr>
-          </a:p>
-        </p:txBody>
-      </p:sp>
     </p:spTree>
     <p:extLst>
       <p:ext uri="{BB962C8B-B14F-4D97-AF65-F5344CB8AC3E}">
-        <p14:creationId xmlns:p14="http://schemas.microsoft.com/office/powerpoint/2010/main" val="3571175597"/>
+        <p14:creationId xmlns:p14="http://schemas.microsoft.com/office/powerpoint/2010/main" val="4121311"/>
       </p:ext>
     </p:extLst>
   </p:cSld>
@@ -16819,7 +17040,7 @@
     </p:spTree>
     <p:extLst>
       <p:ext uri="{BB962C8B-B14F-4D97-AF65-F5344CB8AC3E}">
-        <p14:creationId xmlns:p14="http://schemas.microsoft.com/office/powerpoint/2010/main" val="2688599201"/>
+        <p14:creationId xmlns:p14="http://schemas.microsoft.com/office/powerpoint/2010/main" val="1923151001"/>
       </p:ext>
     </p:extLst>
   </p:cSld>
@@ -21968,13 +22189,13 @@
 
 <file path=customXml/item1.xml><?xml version="1.0" encoding="utf-8"?>
 <Control xmlns="http://schemas.microsoft.com/VisualStudio/2011/storyboarding/control">
-  <Id Name="System.Storyboarding.Common.Button" Revision="1" Stencil="System.Storyboarding.Common" StencilVersion="0.1"/>
+  <Id Name="System.Storyboarding.Common.MousePointer" Revision="1" Stencil="System.Storyboarding.Common" StencilVersion="0.1"/>
 </Control>
 </file>
 
 <file path=customXml/item2.xml><?xml version="1.0" encoding="utf-8"?>
 <Control xmlns="http://schemas.microsoft.com/VisualStudio/2011/storyboarding/control">
-  <Id Name="System.Storyboarding.Common.MousePointer" Revision="1" Stencil="System.Storyboarding.Common" StencilVersion="0.1"/>
+  <Id Name="System.Storyboarding.Common.Button" Revision="1" Stencil="System.Storyboarding.Common" StencilVersion="0.1"/>
 </Control>
 </file>
 
@@ -21985,7 +22206,7 @@
 </file>
 
 <file path=customXml/itemProps1.xml><?xml version="1.0" encoding="utf-8"?>
-<ds:datastoreItem xmlns:ds="http://schemas.openxmlformats.org/officeDocument/2006/customXml" ds:itemID="{2B9E37B2-BF22-4497-90EF-CDCA3440008E}">
+<ds:datastoreItem xmlns:ds="http://schemas.openxmlformats.org/officeDocument/2006/customXml" ds:itemID="{817C9E37-650B-4CCF-B951-DE51C8217DA2}">
   <ds:schemaRefs>
     <ds:schemaRef ds:uri="http://schemas.microsoft.com/VisualStudio/2011/storyboarding/control"/>
   </ds:schemaRefs>
@@ -21993,7 +22214,7 @@
 </file>
 
 <file path=customXml/itemProps2.xml><?xml version="1.0" encoding="utf-8"?>
-<ds:datastoreItem xmlns:ds="http://schemas.openxmlformats.org/officeDocument/2006/customXml" ds:itemID="{817C9E37-650B-4CCF-B951-DE51C8217DA2}">
+<ds:datastoreItem xmlns:ds="http://schemas.openxmlformats.org/officeDocument/2006/customXml" ds:itemID="{2B9E37B2-BF22-4497-90EF-CDCA3440008E}">
   <ds:schemaRefs>
     <ds:schemaRef ds:uri="http://schemas.microsoft.com/VisualStudio/2011/storyboarding/control"/>
   </ds:schemaRefs>
